--- a/Flight_Price_Project_Presentation.pptx
+++ b/Flight_Price_Project_Presentation.pptx
@@ -314,7 +314,7 @@
           <a:p>
             <a:fld id="{DD2E9179-F1E3-43BB-B9C0-7CBD51703B71}" type="datetimeFigureOut">
               <a:rPr lang="en-US" smtClean="0"/>
-              <a:t>9/22/2022</a:t>
+              <a:t>9/28/2022</a:t>
             </a:fld>
             <a:endParaRPr lang="en-US"/>
           </a:p>
@@ -589,7 +589,7 @@
           <a:p>
             <a:fld id="{DD2E9179-F1E3-43BB-B9C0-7CBD51703B71}" type="datetimeFigureOut">
               <a:rPr lang="en-US" smtClean="0"/>
-              <a:t>9/22/2022</a:t>
+              <a:t>9/28/2022</a:t>
             </a:fld>
             <a:endParaRPr lang="en-US"/>
           </a:p>
@@ -783,7 +783,7 @@
           <a:p>
             <a:fld id="{DD2E9179-F1E3-43BB-B9C0-7CBD51703B71}" type="datetimeFigureOut">
               <a:rPr lang="en-US" smtClean="0"/>
-              <a:t>9/22/2022</a:t>
+              <a:t>9/28/2022</a:t>
             </a:fld>
             <a:endParaRPr lang="en-US"/>
           </a:p>
@@ -1056,7 +1056,7 @@
           <a:p>
             <a:fld id="{DD2E9179-F1E3-43BB-B9C0-7CBD51703B71}" type="datetimeFigureOut">
               <a:rPr lang="en-US" smtClean="0"/>
-              <a:t>9/22/2022</a:t>
+              <a:t>9/28/2022</a:t>
             </a:fld>
             <a:endParaRPr lang="en-US"/>
           </a:p>
@@ -1397,7 +1397,7 @@
           <a:p>
             <a:fld id="{DD2E9179-F1E3-43BB-B9C0-7CBD51703B71}" type="datetimeFigureOut">
               <a:rPr lang="en-US" smtClean="0"/>
-              <a:t>9/22/2022</a:t>
+              <a:t>9/28/2022</a:t>
             </a:fld>
             <a:endParaRPr lang="en-US"/>
           </a:p>
@@ -2020,7 +2020,7 @@
           <a:p>
             <a:fld id="{DD2E9179-F1E3-43BB-B9C0-7CBD51703B71}" type="datetimeFigureOut">
               <a:rPr lang="en-US" smtClean="0"/>
-              <a:t>9/22/2022</a:t>
+              <a:t>9/28/2022</a:t>
             </a:fld>
             <a:endParaRPr lang="en-US"/>
           </a:p>
@@ -2880,7 +2880,7 @@
           <a:p>
             <a:fld id="{DD2E9179-F1E3-43BB-B9C0-7CBD51703B71}" type="datetimeFigureOut">
               <a:rPr lang="en-US" smtClean="0"/>
-              <a:t>9/22/2022</a:t>
+              <a:t>9/28/2022</a:t>
             </a:fld>
             <a:endParaRPr lang="en-US"/>
           </a:p>
@@ -3050,7 +3050,7 @@
           <a:p>
             <a:fld id="{DD2E9179-F1E3-43BB-B9C0-7CBD51703B71}" type="datetimeFigureOut">
               <a:rPr lang="en-US" smtClean="0"/>
-              <a:t>9/22/2022</a:t>
+              <a:t>9/28/2022</a:t>
             </a:fld>
             <a:endParaRPr lang="en-US"/>
           </a:p>
@@ -3230,7 +3230,7 @@
           <a:p>
             <a:fld id="{DD2E9179-F1E3-43BB-B9C0-7CBD51703B71}" type="datetimeFigureOut">
               <a:rPr lang="en-US" smtClean="0"/>
-              <a:t>9/22/2022</a:t>
+              <a:t>9/28/2022</a:t>
             </a:fld>
             <a:endParaRPr lang="en-US"/>
           </a:p>
@@ -3400,7 +3400,7 @@
           <a:p>
             <a:fld id="{DD2E9179-F1E3-43BB-B9C0-7CBD51703B71}" type="datetimeFigureOut">
               <a:rPr lang="en-US" smtClean="0"/>
-              <a:t>9/22/2022</a:t>
+              <a:t>9/28/2022</a:t>
             </a:fld>
             <a:endParaRPr lang="en-US"/>
           </a:p>
@@ -3647,7 +3647,7 @@
           <a:p>
             <a:fld id="{DD2E9179-F1E3-43BB-B9C0-7CBD51703B71}" type="datetimeFigureOut">
               <a:rPr lang="en-US" smtClean="0"/>
-              <a:t>9/22/2022</a:t>
+              <a:t>9/28/2022</a:t>
             </a:fld>
             <a:endParaRPr lang="en-US"/>
           </a:p>
@@ -3939,7 +3939,7 @@
           <a:p>
             <a:fld id="{DD2E9179-F1E3-43BB-B9C0-7CBD51703B71}" type="datetimeFigureOut">
               <a:rPr lang="en-US" smtClean="0"/>
-              <a:t>9/22/2022</a:t>
+              <a:t>9/28/2022</a:t>
             </a:fld>
             <a:endParaRPr lang="en-US"/>
           </a:p>
@@ -4383,7 +4383,7 @@
           <a:p>
             <a:fld id="{DD2E9179-F1E3-43BB-B9C0-7CBD51703B71}" type="datetimeFigureOut">
               <a:rPr lang="en-US" smtClean="0"/>
-              <a:t>9/22/2022</a:t>
+              <a:t>9/28/2022</a:t>
             </a:fld>
             <a:endParaRPr lang="en-US"/>
           </a:p>
@@ -4501,7 +4501,7 @@
           <a:p>
             <a:fld id="{DD2E9179-F1E3-43BB-B9C0-7CBD51703B71}" type="datetimeFigureOut">
               <a:rPr lang="en-US" smtClean="0"/>
-              <a:t>9/22/2022</a:t>
+              <a:t>9/28/2022</a:t>
             </a:fld>
             <a:endParaRPr lang="en-US"/>
           </a:p>
@@ -4596,7 +4596,7 @@
           <a:p>
             <a:fld id="{DD2E9179-F1E3-43BB-B9C0-7CBD51703B71}" type="datetimeFigureOut">
               <a:rPr lang="en-US" smtClean="0"/>
-              <a:t>9/22/2022</a:t>
+              <a:t>9/28/2022</a:t>
             </a:fld>
             <a:endParaRPr lang="en-US"/>
           </a:p>
@@ -4875,7 +4875,7 @@
           <a:p>
             <a:fld id="{DD2E9179-F1E3-43BB-B9C0-7CBD51703B71}" type="datetimeFigureOut">
               <a:rPr lang="en-US" smtClean="0"/>
-              <a:t>9/22/2022</a:t>
+              <a:t>9/28/2022</a:t>
             </a:fld>
             <a:endParaRPr lang="en-US"/>
           </a:p>
@@ -5150,7 +5150,7 @@
           <a:p>
             <a:fld id="{DD2E9179-F1E3-43BB-B9C0-7CBD51703B71}" type="datetimeFigureOut">
               <a:rPr lang="en-US" smtClean="0"/>
-              <a:t>9/22/2022</a:t>
+              <a:t>9/28/2022</a:t>
             </a:fld>
             <a:endParaRPr lang="en-US"/>
           </a:p>
@@ -5579,7 +5579,7 @@
           <a:p>
             <a:fld id="{DD2E9179-F1E3-43BB-B9C0-7CBD51703B71}" type="datetimeFigureOut">
               <a:rPr lang="en-US" smtClean="0"/>
-              <a:t>9/22/2022</a:t>
+              <a:t>9/28/2022</a:t>
             </a:fld>
             <a:endParaRPr lang="en-US"/>
           </a:p>
@@ -6415,11 +6415,7 @@
             </a:r>
             <a:r>
               <a:rPr lang="en-US" dirty="0" smtClean="0"/>
-              <a:t> best method to built the model</a:t>
-            </a:r>
-            <a:r>
-              <a:rPr lang="en-US" dirty="0" smtClean="0"/>
-              <a:t>.</a:t>
+              <a:t> best method to built the model.</a:t>
             </a:r>
           </a:p>
           <a:p>
@@ -7603,7 +7599,15 @@
             </a:r>
             <a:r>
               <a:rPr lang="en-IN" dirty="0"/>
-              <a:t> provided training is the very important to completion of project. </a:t>
+              <a:t> provided training is the very important to completion of </a:t>
+            </a:r>
+            <a:r>
+              <a:rPr lang="en-IN"/>
+              <a:t>project</a:t>
+            </a:r>
+            <a:r>
+              <a:rPr lang="en-IN" smtClean="0"/>
+              <a:t>.</a:t>
             </a:r>
             <a:endParaRPr lang="en-US" dirty="0"/>
           </a:p>
